--- a/lessons/class2/Class2B_Preprocessing_TF.pptx
+++ b/lessons/class2/Class2B_Preprocessing_TF.pptx
@@ -234,7 +234,7 @@
           <a:p>
             <a:fld id="{B0C0A60C-850A-4EA4-9C14-A8FE98B94505}" type="datetimeFigureOut">
               <a:rPr lang="en-US" smtClean="0"/>
-              <a:t>12/30/20</a:t>
+              <a:t>10/10/21</a:t>
             </a:fld>
             <a:endParaRPr lang="en-US"/>
           </a:p>
@@ -633,7 +633,7 @@
           <a:p>
             <a:fld id="{5738B90E-0779-4C36-915C-6F05FCD89456}" type="datetime1">
               <a:rPr lang="en-US" smtClean="0"/>
-              <a:t>12/30/20</a:t>
+              <a:t>10/10/21</a:t>
             </a:fld>
             <a:endParaRPr lang="en-US"/>
           </a:p>
@@ -813,7 +813,7 @@
           <a:p>
             <a:fld id="{7B9EA29D-D431-42FE-B7B6-AAE4454C77D3}" type="datetime1">
               <a:rPr lang="en-US" smtClean="0"/>
-              <a:t>12/30/20</a:t>
+              <a:t>10/10/21</a:t>
             </a:fld>
             <a:endParaRPr lang="en-US"/>
           </a:p>
@@ -1070,7 +1070,7 @@
           <a:p>
             <a:fld id="{690D8A1E-EA8F-46C1-B891-AE0C00D9C314}" type="datetime1">
               <a:rPr lang="en-US" smtClean="0"/>
-              <a:t>12/30/20</a:t>
+              <a:t>10/10/21</a:t>
             </a:fld>
             <a:endParaRPr lang="en-US"/>
           </a:p>
@@ -1361,7 +1361,7 @@
           <a:p>
             <a:fld id="{D753EFC8-4232-4598-94F6-94C0EBAFC469}" type="datetime1">
               <a:rPr lang="en-US" smtClean="0"/>
-              <a:t>12/30/20</a:t>
+              <a:t>10/10/21</a:t>
             </a:fld>
             <a:endParaRPr lang="en-US"/>
           </a:p>
@@ -1673,7 +1673,7 @@
           <a:p>
             <a:fld id="{F3161074-1C18-4AE7-957D-F18524378C85}" type="datetime1">
               <a:rPr lang="en-US" smtClean="0"/>
-              <a:t>12/30/20</a:t>
+              <a:t>10/10/21</a:t>
             </a:fld>
             <a:endParaRPr lang="en-US"/>
           </a:p>
@@ -1909,7 +1909,7 @@
           <a:p>
             <a:fld id="{69BE256C-8D9A-4404-B47D-41A1AE514425}" type="datetime1">
               <a:rPr lang="en-US" smtClean="0"/>
-              <a:t>12/30/20</a:t>
+              <a:t>10/10/21</a:t>
             </a:fld>
             <a:endParaRPr lang="en-US"/>
           </a:p>
@@ -2340,7 +2340,7 @@
           <a:p>
             <a:fld id="{66CB2154-9035-4012-8189-BAAB61C5A5EE}" type="datetime1">
               <a:rPr lang="en-US" smtClean="0"/>
-              <a:t>12/30/20</a:t>
+              <a:t>10/10/21</a:t>
             </a:fld>
             <a:endParaRPr lang="en-US"/>
           </a:p>
@@ -2511,7 +2511,7 @@
           <a:p>
             <a:fld id="{6700A58B-DD98-43D0-B791-721480A02982}" type="datetime1">
               <a:rPr lang="en-US" smtClean="0"/>
-              <a:t>12/30/20</a:t>
+              <a:t>10/10/21</a:t>
             </a:fld>
             <a:endParaRPr lang="en-US"/>
           </a:p>
@@ -2700,7 +2700,7 @@
           <a:p>
             <a:fld id="{7DB6E382-4F61-4E24-BE1A-377EC83D0E3A}" type="datetime1">
               <a:rPr lang="en-US" smtClean="0"/>
-              <a:t>12/30/20</a:t>
+              <a:t>10/10/21</a:t>
             </a:fld>
             <a:endParaRPr lang="en-US"/>
           </a:p>
@@ -3008,7 +3008,7 @@
           <a:p>
             <a:fld id="{4142EED6-FC16-45B9-B8C4-2BC5DBA88325}" type="datetime1">
               <a:rPr lang="en-US" smtClean="0"/>
-              <a:t>12/30/20</a:t>
+              <a:t>10/10/21</a:t>
             </a:fld>
             <a:endParaRPr lang="en-US"/>
           </a:p>
@@ -3323,7 +3323,7 @@
           <a:p>
             <a:fld id="{DF59512B-4F1D-43D7-8819-2F53FEF69650}" type="datetime1">
               <a:rPr lang="en-US" smtClean="0"/>
-              <a:t>12/30/20</a:t>
+              <a:t>10/10/21</a:t>
             </a:fld>
             <a:endParaRPr lang="en-US"/>
           </a:p>
@@ -3596,7 +3596,7 @@
           <a:p>
             <a:fld id="{08437B94-E2BF-44DC-ADC5-B05FC9934E9D}" type="datetime1">
               <a:rPr lang="en-US" smtClean="0"/>
-              <a:t>12/30/20</a:t>
+              <a:t>10/10/21</a:t>
             </a:fld>
             <a:endParaRPr lang="en-US"/>
           </a:p>
@@ -4029,7 +4029,7 @@
           <a:p>
             <a:fld id="{6700A58B-DD98-43D0-B791-721480A02982}" type="datetime1">
               <a:rPr lang="en-US" smtClean="0"/>
-              <a:t>12/30/20</a:t>
+              <a:t>10/10/21</a:t>
             </a:fld>
             <a:endParaRPr lang="en-US"/>
           </a:p>
@@ -4305,7 +4305,7 @@
           <a:p>
             <a:fld id="{6700A58B-DD98-43D0-B791-721480A02982}" type="datetime1">
               <a:rPr lang="en-US" smtClean="0"/>
-              <a:t>12/30/20</a:t>
+              <a:t>10/10/21</a:t>
             </a:fld>
             <a:endParaRPr lang="en-US"/>
           </a:p>
@@ -5029,7 +5029,7 @@
           <a:p>
             <a:fld id="{6700A58B-DD98-43D0-B791-721480A02982}" type="datetime1">
               <a:rPr lang="en-US" smtClean="0"/>
-              <a:t>12/30/20</a:t>
+              <a:t>10/10/21</a:t>
             </a:fld>
             <a:endParaRPr lang="en-US"/>
           </a:p>
@@ -5884,7 +5884,7 @@
           <a:p>
             <a:fld id="{7DB6E382-4F61-4E24-BE1A-377EC83D0E3A}" type="datetime1">
               <a:rPr lang="en-US" smtClean="0"/>
-              <a:t>12/30/20</a:t>
+              <a:t>10/10/21</a:t>
             </a:fld>
             <a:endParaRPr lang="en-US"/>
           </a:p>
@@ -6496,7 +6496,7 @@
           <a:p>
             <a:fld id="{6700A58B-DD98-43D0-B791-721480A02982}" type="datetime1">
               <a:rPr lang="en-US" smtClean="0"/>
-              <a:t>12/30/20</a:t>
+              <a:t>10/10/21</a:t>
             </a:fld>
             <a:endParaRPr lang="en-US"/>
           </a:p>
@@ -6899,7 +6899,7 @@
           <a:p>
             <a:fld id="{6700A58B-DD98-43D0-B791-721480A02982}" type="datetime1">
               <a:rPr lang="en-US" smtClean="0"/>
-              <a:t>12/30/20</a:t>
+              <a:t>10/10/21</a:t>
             </a:fld>
             <a:endParaRPr lang="en-US"/>
           </a:p>
@@ -7522,7 +7522,7 @@
           <a:p>
             <a:fld id="{6700A58B-DD98-43D0-B791-721480A02982}" type="datetime1">
               <a:rPr lang="en-US" smtClean="0"/>
-              <a:t>12/30/20</a:t>
+              <a:t>10/10/21</a:t>
             </a:fld>
             <a:endParaRPr lang="en-US"/>
           </a:p>
@@ -8985,7 +8985,7 @@
           <a:p>
             <a:fld id="{6700A58B-DD98-43D0-B791-721480A02982}" type="datetime1">
               <a:rPr lang="en-US" smtClean="0"/>
-              <a:t>12/30/20</a:t>
+              <a:t>10/10/21</a:t>
             </a:fld>
             <a:endParaRPr lang="en-US"/>
           </a:p>
@@ -11925,7 +11925,7 @@
           <a:p>
             <a:fld id="{6700A58B-DD98-43D0-B791-721480A02982}" type="datetime1">
               <a:rPr lang="en-US" smtClean="0"/>
-              <a:t>12/30/20</a:t>
+              <a:t>10/10/21</a:t>
             </a:fld>
             <a:endParaRPr lang="en-US"/>
           </a:p>
@@ -13570,7 +13570,7 @@
           <a:p>
             <a:fld id="{6700A58B-DD98-43D0-B791-721480A02982}" type="datetime1">
               <a:rPr lang="en-US" smtClean="0"/>
-              <a:t>12/30/20</a:t>
+              <a:t>10/10/21</a:t>
             </a:fld>
             <a:endParaRPr lang="en-US"/>
           </a:p>
@@ -16937,7 +16937,7 @@
           <a:p>
             <a:fld id="{6700A58B-DD98-43D0-B791-721480A02982}" type="datetime1">
               <a:rPr lang="en-US" smtClean="0"/>
-              <a:t>12/30/20</a:t>
+              <a:t>10/10/21</a:t>
             </a:fld>
             <a:endParaRPr lang="en-US"/>
           </a:p>
@@ -18930,7 +18930,7 @@
           <a:p>
             <a:fld id="{6700A58B-DD98-43D0-B791-721480A02982}" type="datetime1">
               <a:rPr lang="en-US" smtClean="0"/>
-              <a:t>12/30/20</a:t>
+              <a:t>10/10/21</a:t>
             </a:fld>
             <a:endParaRPr lang="en-US"/>
           </a:p>
@@ -19756,7 +19756,7 @@
             </a:r>
             <a:r>
               <a:rPr lang="en-US" sz="2800" dirty="0" err="1"/>
-              <a:t>D_textOrg_DTM_Freq.R</a:t>
+              <a:t>B_textOrg_DTM_Freq.R</a:t>
             </a:r>
             <a:endParaRPr lang="en-US" sz="2800" dirty="0"/>
           </a:p>
@@ -19790,7 +19790,7 @@
           <a:p>
             <a:fld id="{6700A58B-DD98-43D0-B791-721480A02982}" type="datetime1">
               <a:rPr lang="en-US" smtClean="0"/>
-              <a:t>12/30/20</a:t>
+              <a:t>10/10/21</a:t>
             </a:fld>
             <a:endParaRPr lang="en-US"/>
           </a:p>
@@ -20231,7 +20231,7 @@
           <a:p>
             <a:fld id="{6700A58B-DD98-43D0-B791-721480A02982}" type="datetime1">
               <a:rPr lang="en-US" smtClean="0"/>
-              <a:t>12/30/20</a:t>
+              <a:t>10/10/21</a:t>
             </a:fld>
             <a:endParaRPr lang="en-US"/>
           </a:p>
@@ -20506,7 +20506,7 @@
           <a:p>
             <a:fld id="{6700A58B-DD98-43D0-B791-721480A02982}" type="datetime1">
               <a:rPr lang="en-US" smtClean="0"/>
-              <a:t>12/30/20</a:t>
+              <a:t>10/10/21</a:t>
             </a:fld>
             <a:endParaRPr lang="en-US"/>
           </a:p>
@@ -21573,7 +21573,7 @@
             <a:fld id="{6700A58B-DD98-43D0-B791-721480A02982}" type="datetime1">
               <a:rPr lang="en-US" smtClean="0"/>
               <a:pPr/>
-              <a:t>12/30/20</a:t>
+              <a:t>10/10/21</a:t>
             </a:fld>
             <a:endParaRPr lang="en-US"/>
           </a:p>
@@ -23762,7 +23762,7 @@
             <a:fld id="{6700A58B-DD98-43D0-B791-721480A02982}" type="datetime1">
               <a:rPr lang="en-US" smtClean="0"/>
               <a:pPr/>
-              <a:t>12/30/20</a:t>
+              <a:t>10/10/21</a:t>
             </a:fld>
             <a:endParaRPr lang="en-US"/>
           </a:p>
@@ -26369,7 +26369,7 @@
             <a:fld id="{6700A58B-DD98-43D0-B791-721480A02982}" type="datetime1">
               <a:rPr lang="en-US" smtClean="0"/>
               <a:pPr/>
-              <a:t>12/30/20</a:t>
+              <a:t>10/10/21</a:t>
             </a:fld>
             <a:endParaRPr lang="en-US"/>
           </a:p>
@@ -27403,7 +27403,7 @@
             <a:fld id="{6700A58B-DD98-43D0-B791-721480A02982}" type="datetime1">
               <a:rPr lang="en-US" smtClean="0"/>
               <a:pPr/>
-              <a:t>12/30/20</a:t>
+              <a:t>10/10/21</a:t>
             </a:fld>
             <a:endParaRPr lang="en-US"/>
           </a:p>
@@ -28576,7 +28576,7 @@
             <a:fld id="{6700A58B-DD98-43D0-B791-721480A02982}" type="datetime1">
               <a:rPr lang="en-US" smtClean="0"/>
               <a:pPr/>
-              <a:t>12/30/20</a:t>
+              <a:t>10/10/21</a:t>
             </a:fld>
             <a:endParaRPr lang="en-US"/>
           </a:p>
@@ -29266,7 +29266,7 @@
           <a:p>
             <a:fld id="{6700A58B-DD98-43D0-B791-721480A02982}" type="datetime1">
               <a:rPr lang="en-US" smtClean="0"/>
-              <a:t>12/30/20</a:t>
+              <a:t>10/10/21</a:t>
             </a:fld>
             <a:endParaRPr lang="en-US"/>
           </a:p>
